--- a/附加/安装数据库.pptx
+++ b/附加/安装数据库.pptx
@@ -219,7 +219,7 @@
           <a:p>
             <a:fld id="{54A3140B-A0B8-40E9-845D-5F0F2F5C84BF}" type="datetimeFigureOut">
               <a:rPr lang="zh-CN" altLang="en-US" smtClean="0"/>
-              <a:t>2021/12/13</a:t>
+              <a:t>2021/12/21</a:t>
             </a:fld>
             <a:endParaRPr lang="zh-CN" altLang="en-US"/>
           </a:p>
@@ -699,7 +699,7 @@
           <a:p>
             <a:fld id="{E42AF620-DA3A-4973-B85D-D3798812CD47}" type="datetime1">
               <a:rPr lang="zh-CN" altLang="en-US" smtClean="0"/>
-              <a:t>2021/12/13</a:t>
+              <a:t>2021/12/21</a:t>
             </a:fld>
             <a:endParaRPr lang="zh-CN" altLang="en-US"/>
           </a:p>
@@ -776,7 +776,7 @@
         <p:fade/>
       </p:transition>
     </mc:Choice>
-    <mc:Fallback xmlns="" xmlns:p15="http://schemas.microsoft.com/office/powerpoint/2012/main" xmlns:a16="http://schemas.microsoft.com/office/drawing/2014/main">
+    <mc:Fallback xmlns:a16="http://schemas.microsoft.com/office/drawing/2014/main" xmlns:p15="http://schemas.microsoft.com/office/powerpoint/2012/main" xmlns="">
       <p:transition spd="med">
         <p:fade/>
       </p:transition>
@@ -935,7 +935,7 @@
           <a:p>
             <a:fld id="{E42AF620-DA3A-4973-B85D-D3798812CD47}" type="datetime1">
               <a:rPr lang="zh-CN" altLang="en-US" smtClean="0"/>
-              <a:t>2021/12/13</a:t>
+              <a:t>2021/12/21</a:t>
             </a:fld>
             <a:endParaRPr lang="zh-CN" altLang="en-US"/>
           </a:p>
@@ -1040,7 +1040,7 @@
         <p:fade/>
       </p:transition>
     </mc:Choice>
-    <mc:Fallback xmlns="" xmlns:p15="http://schemas.microsoft.com/office/powerpoint/2012/main">
+    <mc:Fallback xmlns:p15="http://schemas.microsoft.com/office/powerpoint/2012/main" xmlns="">
       <p:transition spd="med">
         <p:fade/>
       </p:transition>
@@ -1955,13 +1955,13 @@
   <p:clrMapOvr>
     <a:masterClrMapping/>
   </p:clrMapOvr>
-  <mc:AlternateContent xmlns:mc="http://schemas.openxmlformats.org/markup-compatibility/2006">
-    <mc:Choice xmlns:p14="http://schemas.microsoft.com/office/powerpoint/2010/main" Requires="p14">
+  <mc:AlternateContent xmlns:mc="http://schemas.openxmlformats.org/markup-compatibility/2006" xmlns:p14="http://schemas.microsoft.com/office/powerpoint/2010/main">
+    <mc:Choice Requires="p14">
       <p:transition spd="med" p14:dur="700">
         <p:fade/>
       </p:transition>
     </mc:Choice>
-    <mc:Fallback>
+    <mc:Fallback xmlns="">
       <p:transition spd="med">
         <p:fade/>
       </p:transition>
@@ -2135,13 +2135,13 @@
   <p:clrMapOvr>
     <a:masterClrMapping/>
   </p:clrMapOvr>
-  <mc:AlternateContent xmlns:mc="http://schemas.openxmlformats.org/markup-compatibility/2006">
-    <mc:Choice xmlns:p14="http://schemas.microsoft.com/office/powerpoint/2010/main" Requires="p14">
+  <mc:AlternateContent xmlns:mc="http://schemas.openxmlformats.org/markup-compatibility/2006" xmlns:p14="http://schemas.microsoft.com/office/powerpoint/2010/main">
+    <mc:Choice Requires="p14">
       <p:transition spd="med" p14:dur="700">
         <p:fade/>
       </p:transition>
     </mc:Choice>
-    <mc:Fallback>
+    <mc:Fallback xmlns="">
       <p:transition spd="med">
         <p:fade/>
       </p:transition>
@@ -2182,7 +2182,7 @@
         <p:spPr>
           <a:xfrm>
             <a:off x="1163082" y="893157"/>
-            <a:ext cx="11028918" cy="4893647"/>
+            <a:ext cx="11028918" cy="5632311"/>
           </a:xfrm>
           <a:prstGeom prst="rect">
             <a:avLst/>
@@ -2196,88 +2196,88 @@
           <a:lstStyle/>
           <a:p>
             <a:r>
-              <a:rPr lang="en-US" altLang="zh-CN" sz="2400" dirty="0"/>
+              <a:rPr lang="en-US" altLang="zh-CN" sz="2800" dirty="0"/>
               <a:t># </a:t>
             </a:r>
             <a:r>
-              <a:rPr lang="zh-CN" altLang="en-US" sz="2400" dirty="0"/>
+              <a:rPr lang="zh-CN" altLang="en-US" sz="2800" dirty="0"/>
               <a:t>审计信息文件夹</a:t>
             </a:r>
-            <a:endParaRPr lang="en-US" altLang="zh-CN" sz="2400" dirty="0"/>
-          </a:p>
-          <a:p>
-            <a:r>
-              <a:rPr lang="en-US" altLang="zh-CN" sz="2400" dirty="0" err="1"/>
+            <a:endParaRPr lang="en-US" altLang="zh-CN" sz="2800" dirty="0"/>
+          </a:p>
+          <a:p>
+            <a:r>
+              <a:rPr lang="en-US" altLang="zh-CN" sz="2800" dirty="0" err="1"/>
               <a:t>mkdir</a:t>
             </a:r>
             <a:r>
-              <a:rPr lang="en-US" altLang="zh-CN" sz="2400" dirty="0"/>
+              <a:rPr lang="en-US" altLang="zh-CN" sz="2800" dirty="0"/>
               <a:t> -p /oracle/admin/zzdb1/</a:t>
             </a:r>
             <a:r>
-              <a:rPr lang="en-US" altLang="zh-CN" sz="2400" dirty="0" err="1"/>
+              <a:rPr lang="en-US" altLang="zh-CN" sz="2800" dirty="0" err="1"/>
               <a:t>adump</a:t>
             </a:r>
             <a:r>
-              <a:rPr lang="en-US" altLang="zh-CN" sz="2400" dirty="0"/>
+              <a:rPr lang="en-US" altLang="zh-CN" sz="2800" dirty="0"/>
               <a:t> </a:t>
             </a:r>
           </a:p>
           <a:p>
-            <a:endParaRPr lang="en-US" altLang="zh-CN" sz="2400" dirty="0"/>
-          </a:p>
-          <a:p>
-            <a:r>
-              <a:rPr lang="en-US" altLang="zh-CN" sz="2400" dirty="0"/>
+            <a:endParaRPr lang="en-US" altLang="zh-CN" sz="2800" dirty="0"/>
+          </a:p>
+          <a:p>
+            <a:r>
+              <a:rPr lang="en-US" altLang="zh-CN" sz="2800" dirty="0"/>
               <a:t># </a:t>
             </a:r>
             <a:r>
-              <a:rPr lang="zh-CN" altLang="en-US" sz="2400" dirty="0"/>
+              <a:rPr lang="zh-CN" altLang="en-US" sz="2800" dirty="0"/>
               <a:t>存放一些登录信息和</a:t>
             </a:r>
             <a:r>
-              <a:rPr lang="en-US" altLang="zh-CN" sz="2400" dirty="0" err="1"/>
+              <a:rPr lang="en-US" altLang="zh-CN" sz="2800" dirty="0" err="1"/>
               <a:t>expdp</a:t>
             </a:r>
             <a:r>
-              <a:rPr lang="zh-CN" altLang="en-US" sz="2400" dirty="0"/>
+              <a:rPr lang="zh-CN" altLang="en-US" sz="2800" dirty="0"/>
               <a:t>、</a:t>
             </a:r>
             <a:r>
-              <a:rPr lang="en-US" altLang="zh-CN" sz="2400" dirty="0" err="1"/>
+              <a:rPr lang="en-US" altLang="zh-CN" sz="2800" dirty="0" err="1"/>
               <a:t>impdp</a:t>
             </a:r>
             <a:r>
-              <a:rPr lang="zh-CN" altLang="en-US" sz="2400" dirty="0"/>
+              <a:rPr lang="zh-CN" altLang="en-US" sz="2800" dirty="0"/>
               <a:t>的默认路径</a:t>
             </a:r>
-            <a:endParaRPr lang="en-US" altLang="zh-CN" sz="2400" dirty="0"/>
-          </a:p>
-          <a:p>
-            <a:r>
-              <a:rPr lang="en-US" altLang="zh-CN" sz="2400" dirty="0" err="1"/>
+            <a:endParaRPr lang="en-US" altLang="zh-CN" sz="2800" dirty="0"/>
+          </a:p>
+          <a:p>
+            <a:r>
+              <a:rPr lang="en-US" altLang="zh-CN" sz="2800" dirty="0" err="1"/>
               <a:t>mkdir</a:t>
             </a:r>
             <a:r>
-              <a:rPr lang="en-US" altLang="zh-CN" sz="2400" dirty="0"/>
+              <a:rPr lang="en-US" altLang="zh-CN" sz="2800" dirty="0"/>
               <a:t> -p /oracle/admin/zzdb1/</a:t>
             </a:r>
             <a:r>
-              <a:rPr lang="en-US" altLang="zh-CN" sz="2400" dirty="0" err="1"/>
+              <a:rPr lang="en-US" altLang="zh-CN" sz="2800" dirty="0" err="1"/>
               <a:t>dpdump</a:t>
             </a:r>
-            <a:endParaRPr lang="en-US" altLang="zh-CN" sz="2400" dirty="0"/>
-          </a:p>
-          <a:p>
-            <a:endParaRPr lang="en-US" altLang="zh-CN" sz="2400" dirty="0"/>
-          </a:p>
-          <a:p>
-            <a:r>
-              <a:rPr lang="en-US" altLang="zh-CN" sz="2400" dirty="0"/>
+            <a:endParaRPr lang="en-US" altLang="zh-CN" sz="2800" dirty="0"/>
+          </a:p>
+          <a:p>
+            <a:endParaRPr lang="en-US" altLang="zh-CN" sz="2800" dirty="0"/>
+          </a:p>
+          <a:p>
+            <a:r>
+              <a:rPr lang="en-US" altLang="zh-CN" sz="2800" dirty="0"/>
               <a:t># </a:t>
             </a:r>
             <a:r>
-              <a:rPr lang="zh-CN" altLang="en-US" sz="2400" b="0" i="0" dirty="0">
+              <a:rPr lang="zh-CN" altLang="en-US" sz="2800" b="0" i="0" dirty="0">
                 <a:solidFill>
                   <a:srgbClr val="4D4D4D"/>
                 </a:solidFill>
@@ -2287,7 +2287,7 @@
               <a:t>初始化参数文件</a:t>
             </a:r>
             <a:r>
-              <a:rPr lang="en-US" altLang="zh-CN" sz="2400" b="0" i="0" dirty="0" err="1">
+              <a:rPr lang="en-US" altLang="zh-CN" sz="2800" b="0" i="0" dirty="0" err="1">
                 <a:solidFill>
                   <a:srgbClr val="4D4D4D"/>
                 </a:solidFill>
@@ -2296,73 +2296,73 @@
               </a:rPr>
               <a:t>initSID</a:t>
             </a:r>
-            <a:endParaRPr lang="en-US" altLang="zh-CN" sz="2400" dirty="0"/>
-          </a:p>
-          <a:p>
-            <a:r>
-              <a:rPr lang="en-US" altLang="zh-CN" sz="2400" dirty="0" err="1"/>
+            <a:endParaRPr lang="en-US" altLang="zh-CN" sz="2800" dirty="0"/>
+          </a:p>
+          <a:p>
+            <a:r>
+              <a:rPr lang="en-US" altLang="zh-CN" sz="2800" dirty="0" err="1"/>
               <a:t>mkdir</a:t>
             </a:r>
             <a:r>
-              <a:rPr lang="en-US" altLang="zh-CN" sz="2400" dirty="0"/>
+              <a:rPr lang="en-US" altLang="zh-CN" sz="2800" dirty="0"/>
               <a:t> -p /oracle/admin/zzdb1/</a:t>
             </a:r>
             <a:r>
-              <a:rPr lang="en-US" altLang="zh-CN" sz="2400" dirty="0" err="1"/>
+              <a:rPr lang="en-US" altLang="zh-CN" sz="2800" dirty="0" err="1"/>
               <a:t>pfile</a:t>
             </a:r>
             <a:r>
-              <a:rPr lang="en-US" altLang="zh-CN" sz="2400" dirty="0"/>
+              <a:rPr lang="en-US" altLang="zh-CN" sz="2800" dirty="0"/>
               <a:t> </a:t>
             </a:r>
           </a:p>
           <a:p>
-            <a:endParaRPr lang="en-US" altLang="zh-CN" sz="2400" dirty="0"/>
-          </a:p>
-          <a:p>
-            <a:r>
-              <a:rPr lang="en-US" altLang="zh-CN" sz="2400" dirty="0" err="1"/>
+            <a:endParaRPr lang="en-US" altLang="zh-CN" sz="2800" dirty="0"/>
+          </a:p>
+          <a:p>
+            <a:r>
+              <a:rPr lang="en-US" altLang="zh-CN" sz="2800" dirty="0" err="1"/>
               <a:t>mkdir</a:t>
             </a:r>
             <a:r>
-              <a:rPr lang="en-US" altLang="zh-CN" sz="2400" dirty="0"/>
+              <a:rPr lang="en-US" altLang="zh-CN" sz="2800" dirty="0"/>
               <a:t> -p /oracle/</a:t>
             </a:r>
             <a:r>
-              <a:rPr lang="en-US" altLang="zh-CN" sz="2400" dirty="0" err="1"/>
+              <a:rPr lang="en-US" altLang="zh-CN" sz="2800" dirty="0" err="1"/>
               <a:t>cfgtoollogs</a:t>
             </a:r>
             <a:r>
-              <a:rPr lang="en-US" altLang="zh-CN" sz="2400" dirty="0"/>
+              <a:rPr lang="en-US" altLang="zh-CN" sz="2800" dirty="0"/>
               <a:t>/</a:t>
             </a:r>
             <a:r>
-              <a:rPr lang="en-US" altLang="zh-CN" sz="2400" dirty="0" err="1"/>
+              <a:rPr lang="en-US" altLang="zh-CN" sz="2800" dirty="0" err="1"/>
               <a:t>dbca</a:t>
             </a:r>
             <a:r>
-              <a:rPr lang="en-US" altLang="zh-CN" sz="2400" dirty="0"/>
+              <a:rPr lang="en-US" altLang="zh-CN" sz="2800" dirty="0"/>
               <a:t>/zzdb1</a:t>
             </a:r>
           </a:p>
           <a:p>
-            <a:endParaRPr lang="en-US" altLang="zh-CN" sz="2400" dirty="0"/>
-          </a:p>
-          <a:p>
-            <a:r>
-              <a:rPr lang="en-US" altLang="zh-CN" sz="2400" dirty="0" err="1"/>
+            <a:endParaRPr lang="en-US" altLang="zh-CN" sz="2800" dirty="0"/>
+          </a:p>
+          <a:p>
+            <a:r>
+              <a:rPr lang="en-US" altLang="zh-CN" sz="2800" dirty="0" err="1"/>
               <a:t>mkdir</a:t>
             </a:r>
             <a:r>
-              <a:rPr lang="en-US" altLang="zh-CN" sz="2400" dirty="0"/>
+              <a:rPr lang="en-US" altLang="zh-CN" sz="2800" dirty="0"/>
               <a:t> -p /</a:t>
             </a:r>
             <a:r>
-              <a:rPr lang="en-US" altLang="zh-CN" sz="2400" dirty="0" err="1"/>
+              <a:rPr lang="en-US" altLang="zh-CN" sz="2800" dirty="0" err="1"/>
               <a:t>oradata</a:t>
             </a:r>
             <a:r>
-              <a:rPr lang="en-US" altLang="zh-CN" sz="2400" dirty="0"/>
+              <a:rPr lang="en-US" altLang="zh-CN" sz="2800" dirty="0"/>
               <a:t>/zzdb1/</a:t>
             </a:r>
           </a:p>
@@ -2381,13 +2381,13 @@
   <p:clrMapOvr>
     <a:masterClrMapping/>
   </p:clrMapOvr>
-  <mc:AlternateContent xmlns:mc="http://schemas.openxmlformats.org/markup-compatibility/2006">
-    <mc:Choice xmlns:p14="http://schemas.microsoft.com/office/powerpoint/2010/main" Requires="p14">
+  <mc:AlternateContent xmlns:mc="http://schemas.openxmlformats.org/markup-compatibility/2006" xmlns:p14="http://schemas.microsoft.com/office/powerpoint/2010/main">
+    <mc:Choice Requires="p14">
       <p:transition spd="med" p14:dur="700">
         <p:fade/>
       </p:transition>
     </mc:Choice>
-    <mc:Fallback>
+    <mc:Fallback xmlns="">
       <p:transition spd="med">
         <p:fade/>
       </p:transition>
@@ -2427,8 +2427,8 @@
         </p:nvSpPr>
         <p:spPr>
           <a:xfrm>
-            <a:off x="1560945" y="858982"/>
-            <a:ext cx="6240491" cy="5355312"/>
+            <a:off x="616565" y="214405"/>
+            <a:ext cx="9007120" cy="6524863"/>
           </a:xfrm>
           <a:prstGeom prst="rect">
             <a:avLst/>
@@ -2436,261 +2436,261 @@
           <a:noFill/>
         </p:spPr>
         <p:txBody>
-          <a:bodyPr wrap="none" rtlCol="0">
+          <a:bodyPr wrap="square" rtlCol="0">
             <a:spAutoFit/>
           </a:bodyPr>
           <a:lstStyle/>
           <a:p>
             <a:r>
-              <a:rPr lang="en-US" altLang="zh-CN" dirty="0"/>
+              <a:rPr lang="en-US" altLang="zh-CN" sz="2200" dirty="0"/>
               <a:t># </a:t>
             </a:r>
             <a:r>
-              <a:rPr lang="zh-CN" altLang="en-US" dirty="0"/>
+              <a:rPr lang="zh-CN" altLang="en-US" sz="2200" dirty="0"/>
               <a:t>设置参数文件</a:t>
             </a:r>
             <a:r>
-              <a:rPr lang="en-US" altLang="zh-CN" dirty="0" err="1"/>
+              <a:rPr lang="en-US" altLang="zh-CN" sz="2200" dirty="0" err="1"/>
               <a:t>pfile</a:t>
             </a:r>
-            <a:endParaRPr lang="en-US" altLang="zh-CN" dirty="0"/>
-          </a:p>
-          <a:p>
-            <a:r>
-              <a:rPr lang="en-US" altLang="zh-CN" dirty="0"/>
+            <a:endParaRPr lang="en-US" altLang="zh-CN" sz="2200" dirty="0"/>
+          </a:p>
+          <a:p>
+            <a:r>
+              <a:rPr lang="en-US" altLang="zh-CN" sz="2200" dirty="0"/>
               <a:t>cat &gt; $ORACLE_HOME/</a:t>
             </a:r>
             <a:r>
-              <a:rPr lang="en-US" altLang="zh-CN" dirty="0" err="1"/>
+              <a:rPr lang="en-US" altLang="zh-CN" sz="2200" dirty="0" err="1"/>
               <a:t>dbs</a:t>
             </a:r>
             <a:r>
-              <a:rPr lang="en-US" altLang="zh-CN" dirty="0"/>
+              <a:rPr lang="en-US" altLang="zh-CN" sz="2200" dirty="0"/>
               <a:t>/initzzdb1.ora &lt;&lt;!</a:t>
             </a:r>
           </a:p>
           <a:p>
             <a:r>
-              <a:rPr lang="en-US" altLang="zh-CN" dirty="0"/>
+              <a:rPr lang="en-US" altLang="zh-CN" sz="2200" dirty="0"/>
               <a:t>*.</a:t>
             </a:r>
             <a:r>
-              <a:rPr lang="en-US" altLang="zh-CN" dirty="0" err="1"/>
+              <a:rPr lang="en-US" altLang="zh-CN" sz="2200" dirty="0" err="1"/>
               <a:t>audit_file_dest</a:t>
             </a:r>
             <a:r>
-              <a:rPr lang="en-US" altLang="zh-CN" dirty="0"/>
+              <a:rPr lang="en-US" altLang="zh-CN" sz="2200" dirty="0"/>
               <a:t>='/oracle/admin/zzdb1/</a:t>
             </a:r>
             <a:r>
-              <a:rPr lang="en-US" altLang="zh-CN" dirty="0" err="1"/>
+              <a:rPr lang="en-US" altLang="zh-CN" sz="2200" dirty="0" err="1"/>
               <a:t>adump</a:t>
             </a:r>
             <a:r>
-              <a:rPr lang="en-US" altLang="zh-CN" dirty="0"/>
+              <a:rPr lang="en-US" altLang="zh-CN" sz="2200" dirty="0"/>
               <a:t>’</a:t>
             </a:r>
           </a:p>
           <a:p>
             <a:r>
-              <a:rPr lang="en-US" altLang="zh-CN" dirty="0"/>
+              <a:rPr lang="en-US" altLang="zh-CN" sz="2200" dirty="0"/>
               <a:t>*.</a:t>
             </a:r>
             <a:r>
-              <a:rPr lang="en-US" altLang="zh-CN" dirty="0" err="1"/>
+              <a:rPr lang="en-US" altLang="zh-CN" sz="2200" dirty="0" err="1"/>
               <a:t>audit_trail</a:t>
             </a:r>
             <a:r>
-              <a:rPr lang="en-US" altLang="zh-CN" dirty="0"/>
+              <a:rPr lang="en-US" altLang="zh-CN" sz="2200" dirty="0"/>
               <a:t>='</a:t>
             </a:r>
             <a:r>
-              <a:rPr lang="en-US" altLang="zh-CN" dirty="0" err="1"/>
+              <a:rPr lang="en-US" altLang="zh-CN" sz="2200" dirty="0" err="1"/>
               <a:t>db</a:t>
             </a:r>
             <a:r>
-              <a:rPr lang="en-US" altLang="zh-CN" dirty="0"/>
+              <a:rPr lang="en-US" altLang="zh-CN" sz="2200" dirty="0"/>
               <a:t>’</a:t>
             </a:r>
           </a:p>
           <a:p>
             <a:r>
-              <a:rPr lang="en-US" altLang="zh-CN" dirty="0"/>
+              <a:rPr lang="en-US" altLang="zh-CN" sz="2200" dirty="0"/>
               <a:t>*.compatible='11.2.0.0.0’</a:t>
             </a:r>
           </a:p>
           <a:p>
             <a:r>
-              <a:rPr lang="en-US" altLang="zh-CN" dirty="0"/>
+              <a:rPr lang="en-US" altLang="zh-CN" sz="2200" dirty="0"/>
               <a:t>*.</a:t>
             </a:r>
             <a:r>
-              <a:rPr lang="en-US" altLang="zh-CN" dirty="0" err="1"/>
+              <a:rPr lang="en-US" altLang="zh-CN" sz="2200" dirty="0" err="1"/>
               <a:t>control_files</a:t>
             </a:r>
             <a:r>
-              <a:rPr lang="en-US" altLang="zh-CN" dirty="0"/>
+              <a:rPr lang="en-US" altLang="zh-CN" sz="2200" dirty="0"/>
               <a:t>='/</a:t>
             </a:r>
             <a:r>
-              <a:rPr lang="en-US" altLang="zh-CN" dirty="0" err="1"/>
+              <a:rPr lang="en-US" altLang="zh-CN" sz="2200" dirty="0" err="1"/>
               <a:t>oradata</a:t>
             </a:r>
             <a:r>
-              <a:rPr lang="en-US" altLang="zh-CN" dirty="0"/>
+              <a:rPr lang="en-US" altLang="zh-CN" sz="2200" dirty="0"/>
               <a:t>/zzdb1/control01.ctl’</a:t>
             </a:r>
           </a:p>
           <a:p>
             <a:r>
-              <a:rPr lang="en-US" altLang="zh-CN" dirty="0"/>
+              <a:rPr lang="en-US" altLang="zh-CN" sz="2200" dirty="0"/>
               <a:t>*.</a:t>
             </a:r>
             <a:r>
-              <a:rPr lang="en-US" altLang="zh-CN" dirty="0" err="1"/>
+              <a:rPr lang="en-US" altLang="zh-CN" sz="2200" dirty="0" err="1"/>
               <a:t>db_block_size</a:t>
             </a:r>
             <a:r>
-              <a:rPr lang="en-US" altLang="zh-CN" dirty="0"/>
+              <a:rPr lang="en-US" altLang="zh-CN" sz="2200" dirty="0"/>
               <a:t>=8192</a:t>
             </a:r>
           </a:p>
           <a:p>
             <a:r>
-              <a:rPr lang="en-US" altLang="zh-CN" dirty="0"/>
+              <a:rPr lang="en-US" altLang="zh-CN" sz="2200" dirty="0"/>
               <a:t>*.</a:t>
             </a:r>
             <a:r>
-              <a:rPr lang="en-US" altLang="zh-CN" dirty="0" err="1"/>
+              <a:rPr lang="en-US" altLang="zh-CN" sz="2200" dirty="0" err="1"/>
               <a:t>db_domain</a:t>
             </a:r>
             <a:r>
-              <a:rPr lang="en-US" altLang="zh-CN" dirty="0"/>
+              <a:rPr lang="en-US" altLang="zh-CN" sz="2200" dirty="0"/>
               <a:t>=‘’</a:t>
             </a:r>
           </a:p>
           <a:p>
             <a:r>
-              <a:rPr lang="en-US" altLang="zh-CN" dirty="0"/>
+              <a:rPr lang="en-US" altLang="zh-CN" sz="2200" dirty="0"/>
               <a:t>*.</a:t>
             </a:r>
             <a:r>
-              <a:rPr lang="en-US" altLang="zh-CN" dirty="0" err="1"/>
+              <a:rPr lang="en-US" altLang="zh-CN" sz="2200" dirty="0" err="1"/>
               <a:t>db_name</a:t>
             </a:r>
             <a:r>
-              <a:rPr lang="en-US" altLang="zh-CN" dirty="0"/>
+              <a:rPr lang="en-US" altLang="zh-CN" sz="2200" dirty="0"/>
               <a:t>='zzdb1’</a:t>
             </a:r>
           </a:p>
           <a:p>
             <a:r>
-              <a:rPr lang="en-US" altLang="zh-CN" dirty="0"/>
+              <a:rPr lang="en-US" altLang="zh-CN" sz="2200" dirty="0"/>
               <a:t>*.</a:t>
             </a:r>
             <a:r>
-              <a:rPr lang="en-US" altLang="zh-CN" dirty="0" err="1"/>
+              <a:rPr lang="en-US" altLang="zh-CN" sz="2200" dirty="0" err="1"/>
               <a:t>db_writer_processes</a:t>
             </a:r>
             <a:r>
-              <a:rPr lang="en-US" altLang="zh-CN" dirty="0"/>
+              <a:rPr lang="en-US" altLang="zh-CN" sz="2200" dirty="0"/>
               <a:t>=1</a:t>
             </a:r>
           </a:p>
           <a:p>
             <a:r>
-              <a:rPr lang="en-US" altLang="zh-CN" dirty="0"/>
+              <a:rPr lang="en-US" altLang="zh-CN" sz="2200" dirty="0"/>
               <a:t>*.</a:t>
             </a:r>
             <a:r>
-              <a:rPr lang="en-US" altLang="zh-CN" dirty="0" err="1"/>
+              <a:rPr lang="en-US" altLang="zh-CN" sz="2200" dirty="0" err="1"/>
               <a:t>diagnostic_dest</a:t>
             </a:r>
             <a:r>
-              <a:rPr lang="en-US" altLang="zh-CN" dirty="0"/>
+              <a:rPr lang="en-US" altLang="zh-CN" sz="2200" dirty="0"/>
               <a:t>='/oracle’</a:t>
             </a:r>
           </a:p>
           <a:p>
             <a:r>
-              <a:rPr lang="en-US" altLang="zh-CN" dirty="0"/>
+              <a:rPr lang="en-US" altLang="zh-CN" sz="2200" dirty="0"/>
               <a:t>*.dispatchers='(PROTOCOL=TCP) (SERVICE=zzdb1XDB)’</a:t>
             </a:r>
           </a:p>
           <a:p>
             <a:r>
-              <a:rPr lang="en-US" altLang="zh-CN" dirty="0"/>
+              <a:rPr lang="en-US" altLang="zh-CN" sz="2200" dirty="0"/>
               <a:t>*.</a:t>
             </a:r>
             <a:r>
-              <a:rPr lang="en-US" altLang="zh-CN" dirty="0" err="1"/>
+              <a:rPr lang="en-US" altLang="zh-CN" sz="2200" dirty="0" err="1"/>
               <a:t>memory_target</a:t>
             </a:r>
             <a:r>
-              <a:rPr lang="en-US" altLang="zh-CN" dirty="0"/>
+              <a:rPr lang="en-US" altLang="zh-CN" sz="2200" dirty="0"/>
               <a:t>=838860800</a:t>
             </a:r>
           </a:p>
           <a:p>
             <a:r>
-              <a:rPr lang="en-US" altLang="zh-CN" dirty="0"/>
+              <a:rPr lang="en-US" altLang="zh-CN" sz="2200" dirty="0"/>
               <a:t>*.</a:t>
             </a:r>
             <a:r>
-              <a:rPr lang="en-US" altLang="zh-CN" dirty="0" err="1"/>
+              <a:rPr lang="en-US" altLang="zh-CN" sz="2200" dirty="0" err="1"/>
               <a:t>open_cursors</a:t>
             </a:r>
             <a:r>
-              <a:rPr lang="en-US" altLang="zh-CN" dirty="0"/>
+              <a:rPr lang="en-US" altLang="zh-CN" sz="2200" dirty="0"/>
               <a:t>=300</a:t>
             </a:r>
           </a:p>
           <a:p>
             <a:r>
-              <a:rPr lang="en-US" altLang="zh-CN" dirty="0"/>
+              <a:rPr lang="en-US" altLang="zh-CN" sz="2200" dirty="0"/>
               <a:t>*.processes=1500</a:t>
             </a:r>
           </a:p>
           <a:p>
             <a:r>
-              <a:rPr lang="en-US" altLang="zh-CN" dirty="0"/>
+              <a:rPr lang="en-US" altLang="zh-CN" sz="2200" dirty="0"/>
               <a:t>*.</a:t>
             </a:r>
             <a:r>
-              <a:rPr lang="en-US" altLang="zh-CN" dirty="0" err="1"/>
+              <a:rPr lang="en-US" altLang="zh-CN" sz="2200" dirty="0" err="1"/>
               <a:t>remote_login_passwordfile</a:t>
             </a:r>
             <a:r>
-              <a:rPr lang="en-US" altLang="zh-CN" dirty="0"/>
+              <a:rPr lang="en-US" altLang="zh-CN" sz="2200" dirty="0"/>
               <a:t>='EXCLUSIVE’</a:t>
             </a:r>
           </a:p>
           <a:p>
             <a:r>
-              <a:rPr lang="en-US" altLang="zh-CN" dirty="0"/>
+              <a:rPr lang="en-US" altLang="zh-CN" sz="2200" dirty="0"/>
               <a:t>*.sessions=1655</a:t>
             </a:r>
           </a:p>
           <a:p>
             <a:r>
-              <a:rPr lang="en-US" altLang="zh-CN" dirty="0"/>
+              <a:rPr lang="en-US" altLang="zh-CN" sz="2200" dirty="0"/>
               <a:t>*.</a:t>
             </a:r>
             <a:r>
-              <a:rPr lang="en-US" altLang="zh-CN" dirty="0" err="1"/>
+              <a:rPr lang="en-US" altLang="zh-CN" sz="2200" dirty="0" err="1"/>
               <a:t>undo_tablespace</a:t>
             </a:r>
             <a:r>
-              <a:rPr lang="en-US" altLang="zh-CN" dirty="0"/>
+              <a:rPr lang="en-US" altLang="zh-CN" sz="2200" dirty="0"/>
               <a:t>='UNDOTBS’</a:t>
             </a:r>
           </a:p>
           <a:p>
             <a:r>
-              <a:rPr lang="en-US" altLang="zh-CN" dirty="0"/>
+              <a:rPr lang="en-US" altLang="zh-CN" sz="2200" dirty="0"/>
               <a:t>!</a:t>
             </a:r>
-            <a:endParaRPr lang="zh-CN" altLang="en-US" dirty="0"/>
+            <a:endParaRPr lang="zh-CN" altLang="en-US" sz="2200" dirty="0"/>
           </a:p>
         </p:txBody>
       </p:sp>
@@ -2704,13 +2704,13 @@
   <p:clrMapOvr>
     <a:masterClrMapping/>
   </p:clrMapOvr>
-  <mc:AlternateContent xmlns:mc="http://schemas.openxmlformats.org/markup-compatibility/2006">
-    <mc:Choice xmlns:p14="http://schemas.microsoft.com/office/powerpoint/2010/main" Requires="p14">
+  <mc:AlternateContent xmlns:mc="http://schemas.openxmlformats.org/markup-compatibility/2006" xmlns:p14="http://schemas.microsoft.com/office/powerpoint/2010/main">
+    <mc:Choice Requires="p14">
       <p:transition spd="med" p14:dur="700">
         <p:fade/>
       </p:transition>
     </mc:Choice>
-    <mc:Fallback>
+    <mc:Fallback xmlns="">
       <p:transition spd="med">
         <p:fade/>
       </p:transition>
@@ -2750,8 +2750,8 @@
         </p:nvSpPr>
         <p:spPr>
           <a:xfrm>
-            <a:off x="1399842" y="489527"/>
-            <a:ext cx="9392315" cy="3693319"/>
+            <a:off x="887683" y="324635"/>
+            <a:ext cx="10416634" cy="4093428"/>
           </a:xfrm>
           <a:prstGeom prst="rect">
             <a:avLst/>
@@ -2765,241 +2765,241 @@
           <a:lstStyle/>
           <a:p>
             <a:r>
-              <a:rPr lang="en-US" altLang="zh-CN" dirty="0"/>
+              <a:rPr lang="en-US" altLang="zh-CN" sz="2000" dirty="0"/>
               <a:t># </a:t>
             </a:r>
             <a:r>
-              <a:rPr lang="zh-CN" altLang="en-US" dirty="0"/>
+              <a:rPr lang="zh-CN" altLang="en-US" sz="2000" dirty="0"/>
               <a:t>数据库审计存放的目的文件夹</a:t>
             </a:r>
-            <a:endParaRPr lang="en-US" altLang="zh-CN" dirty="0"/>
-          </a:p>
-          <a:p>
-            <a:r>
-              <a:rPr lang="en-US" altLang="zh-CN" dirty="0"/>
+            <a:endParaRPr lang="en-US" altLang="zh-CN" sz="2000" dirty="0"/>
+          </a:p>
+          <a:p>
+            <a:r>
+              <a:rPr lang="en-US" altLang="zh-CN" sz="2000" dirty="0"/>
               <a:t>*.audit_file_dest='/oracle/admin/zzdb1/</a:t>
             </a:r>
             <a:r>
-              <a:rPr lang="en-US" altLang="zh-CN" dirty="0" err="1"/>
+              <a:rPr lang="en-US" altLang="zh-CN" sz="2000" dirty="0" err="1"/>
               <a:t>adump</a:t>
             </a:r>
             <a:r>
-              <a:rPr lang="en-US" altLang="zh-CN" dirty="0"/>
+              <a:rPr lang="en-US" altLang="zh-CN" sz="2000" dirty="0"/>
               <a:t>’</a:t>
             </a:r>
           </a:p>
           <a:p>
-            <a:endParaRPr lang="en-US" altLang="zh-CN" dirty="0"/>
-          </a:p>
-          <a:p>
-            <a:r>
-              <a:rPr lang="en-US" altLang="zh-CN" dirty="0"/>
+            <a:endParaRPr lang="en-US" altLang="zh-CN" sz="2000" dirty="0"/>
+          </a:p>
+          <a:p>
+            <a:r>
+              <a:rPr lang="en-US" altLang="zh-CN" sz="2000" dirty="0"/>
               <a:t># </a:t>
             </a:r>
             <a:r>
-              <a:rPr lang="zh-CN" altLang="en-US" dirty="0"/>
+              <a:rPr lang="zh-CN" altLang="en-US" sz="2000" dirty="0"/>
               <a:t>用于控制数据库审计</a:t>
             </a:r>
-            <a:endParaRPr lang="en-US" altLang="zh-CN" dirty="0"/>
-          </a:p>
-          <a:p>
-            <a:r>
-              <a:rPr lang="en-US" altLang="zh-CN" dirty="0"/>
+            <a:endParaRPr lang="en-US" altLang="zh-CN" sz="2000" dirty="0"/>
+          </a:p>
+          <a:p>
+            <a:r>
+              <a:rPr lang="en-US" altLang="zh-CN" sz="2000" dirty="0"/>
               <a:t>*.</a:t>
             </a:r>
             <a:r>
-              <a:rPr lang="en-US" altLang="zh-CN" dirty="0" err="1"/>
+              <a:rPr lang="en-US" altLang="zh-CN" sz="2000" dirty="0" err="1"/>
               <a:t>audit_trail</a:t>
             </a:r>
             <a:r>
-              <a:rPr lang="en-US" altLang="zh-CN" dirty="0"/>
+              <a:rPr lang="en-US" altLang="zh-CN" sz="2000" dirty="0"/>
               <a:t>=‘</a:t>
             </a:r>
             <a:r>
-              <a:rPr lang="en-US" altLang="zh-CN" dirty="0" err="1"/>
+              <a:rPr lang="en-US" altLang="zh-CN" sz="2000" dirty="0" err="1"/>
               <a:t>db</a:t>
             </a:r>
             <a:r>
-              <a:rPr lang="en-US" altLang="zh-CN" dirty="0"/>
+              <a:rPr lang="en-US" altLang="zh-CN" sz="2000" dirty="0"/>
               <a:t>’</a:t>
             </a:r>
           </a:p>
           <a:p>
-            <a:endParaRPr lang="en-US" altLang="zh-CN" dirty="0"/>
-          </a:p>
-          <a:p>
-            <a:r>
-              <a:rPr lang="en-US" altLang="zh-CN" dirty="0"/>
+            <a:endParaRPr lang="en-US" altLang="zh-CN" sz="2000" dirty="0"/>
+          </a:p>
+          <a:p>
+            <a:r>
+              <a:rPr lang="en-US" altLang="zh-CN" sz="2000" dirty="0"/>
               <a:t> - none </a:t>
             </a:r>
             <a:r>
-              <a:rPr lang="zh-CN" altLang="en-US" dirty="0"/>
+              <a:rPr lang="zh-CN" altLang="en-US" sz="2000" dirty="0"/>
               <a:t>禁用数据库审计</a:t>
             </a:r>
             <a:r>
-              <a:rPr lang="en-US" altLang="zh-CN" dirty="0"/>
+              <a:rPr lang="en-US" altLang="zh-CN" sz="2000" dirty="0"/>
               <a:t>,</a:t>
             </a:r>
             <a:r>
-              <a:rPr lang="zh-CN" altLang="en-US" dirty="0"/>
+              <a:rPr lang="zh-CN" altLang="en-US" sz="2000" dirty="0"/>
               <a:t>默认值</a:t>
             </a:r>
-            <a:endParaRPr lang="en-US" altLang="zh-CN" dirty="0"/>
-          </a:p>
-          <a:p>
-            <a:r>
-              <a:rPr lang="en-US" altLang="zh-CN" dirty="0"/>
+            <a:endParaRPr lang="en-US" altLang="zh-CN" sz="2000" dirty="0"/>
+          </a:p>
+          <a:p>
+            <a:r>
+              <a:rPr lang="en-US" altLang="zh-CN" sz="2000" dirty="0"/>
               <a:t> - </a:t>
             </a:r>
             <a:r>
-              <a:rPr lang="en-US" altLang="zh-CN" dirty="0" err="1"/>
+              <a:rPr lang="en-US" altLang="zh-CN" sz="2000" dirty="0" err="1"/>
               <a:t>os</a:t>
             </a:r>
             <a:r>
-              <a:rPr lang="en-US" altLang="zh-CN" dirty="0"/>
+              <a:rPr lang="en-US" altLang="zh-CN" sz="2000" dirty="0"/>
               <a:t> </a:t>
             </a:r>
             <a:r>
-              <a:rPr lang="zh-CN" altLang="en-US" dirty="0"/>
+              <a:rPr lang="zh-CN" altLang="en-US" sz="2000" dirty="0"/>
               <a:t>启用数据库审计，并将数据库审计记录定向到操作系统审计记录</a:t>
             </a:r>
-            <a:endParaRPr lang="en-US" altLang="zh-CN" dirty="0"/>
-          </a:p>
-          <a:p>
-            <a:r>
-              <a:rPr lang="en-US" altLang="zh-CN" dirty="0"/>
+            <a:endParaRPr lang="en-US" altLang="zh-CN" sz="2000" dirty="0"/>
+          </a:p>
+          <a:p>
+            <a:r>
+              <a:rPr lang="en-US" altLang="zh-CN" sz="2000" dirty="0"/>
               <a:t> - </a:t>
             </a:r>
             <a:r>
-              <a:rPr lang="en-US" altLang="zh-CN" dirty="0" err="1"/>
+              <a:rPr lang="en-US" altLang="zh-CN" sz="2000" dirty="0" err="1"/>
               <a:t>db</a:t>
             </a:r>
             <a:r>
-              <a:rPr lang="en-US" altLang="zh-CN" dirty="0"/>
+              <a:rPr lang="en-US" altLang="zh-CN" sz="2000" dirty="0"/>
               <a:t> </a:t>
             </a:r>
             <a:r>
-              <a:rPr lang="zh-CN" altLang="en-US" dirty="0"/>
+              <a:rPr lang="zh-CN" altLang="en-US" sz="2000" dirty="0"/>
               <a:t>启用数据库审计，并将数据库所有审计记录定向到数据库的</a:t>
             </a:r>
             <a:r>
-              <a:rPr lang="en-US" altLang="zh-CN" dirty="0"/>
+              <a:rPr lang="en-US" altLang="zh-CN" sz="2000" dirty="0"/>
               <a:t>SYS.AUD$</a:t>
             </a:r>
             <a:r>
-              <a:rPr lang="zh-CN" altLang="en-US" dirty="0"/>
+              <a:rPr lang="zh-CN" altLang="en-US" sz="2000" dirty="0"/>
               <a:t>表</a:t>
             </a:r>
-            <a:endParaRPr lang="en-US" altLang="zh-CN" dirty="0"/>
-          </a:p>
-          <a:p>
-            <a:r>
-              <a:rPr lang="en-US" altLang="zh-CN" dirty="0"/>
+            <a:endParaRPr lang="en-US" altLang="zh-CN" sz="2000" dirty="0"/>
+          </a:p>
+          <a:p>
+            <a:r>
+              <a:rPr lang="en-US" altLang="zh-CN" sz="2000" dirty="0"/>
               <a:t> - </a:t>
             </a:r>
             <a:r>
-              <a:rPr lang="en-US" altLang="zh-CN" dirty="0" err="1"/>
+              <a:rPr lang="en-US" altLang="zh-CN" sz="2000" dirty="0" err="1"/>
               <a:t>db_extended</a:t>
             </a:r>
             <a:r>
-              <a:rPr lang="en-US" altLang="zh-CN" dirty="0"/>
+              <a:rPr lang="en-US" altLang="zh-CN" sz="2000" dirty="0"/>
               <a:t> </a:t>
             </a:r>
             <a:r>
-              <a:rPr lang="zh-CN" altLang="en-US" dirty="0"/>
+              <a:rPr lang="zh-CN" altLang="en-US" sz="2000" dirty="0"/>
               <a:t>启用数据库审计，并将数据库所有审计记录定向到数据库的</a:t>
             </a:r>
             <a:r>
-              <a:rPr lang="en-US" altLang="zh-CN" dirty="0"/>
+              <a:rPr lang="en-US" altLang="zh-CN" sz="2000" dirty="0"/>
               <a:t>SYS.AUD$</a:t>
             </a:r>
             <a:r>
-              <a:rPr lang="zh-CN" altLang="en-US" dirty="0"/>
+              <a:rPr lang="zh-CN" altLang="en-US" sz="2000" dirty="0"/>
               <a:t>表。</a:t>
             </a:r>
-            <a:endParaRPr lang="en-US" altLang="zh-CN" dirty="0"/>
-          </a:p>
-          <a:p>
-            <a:r>
-              <a:rPr lang="zh-CN" altLang="en-US" dirty="0"/>
+            <a:endParaRPr lang="en-US" altLang="zh-CN" sz="2000" dirty="0"/>
+          </a:p>
+          <a:p>
+            <a:r>
+              <a:rPr lang="zh-CN" altLang="en-US" sz="2000" dirty="0"/>
               <a:t>另外，填充</a:t>
             </a:r>
             <a:r>
-              <a:rPr lang="en-US" altLang="zh-CN" dirty="0"/>
+              <a:rPr lang="en-US" altLang="zh-CN" sz="2000" dirty="0"/>
               <a:t>SYS.AUD$</a:t>
             </a:r>
             <a:r>
-              <a:rPr lang="zh-CN" altLang="en-US" dirty="0"/>
+              <a:rPr lang="zh-CN" altLang="en-US" sz="2000" dirty="0"/>
               <a:t>表的</a:t>
             </a:r>
             <a:r>
-              <a:rPr lang="en-US" altLang="zh-CN" dirty="0"/>
+              <a:rPr lang="en-US" altLang="zh-CN" sz="2000" dirty="0"/>
               <a:t>SQLBIND </a:t>
             </a:r>
             <a:r>
-              <a:rPr lang="zh-CN" altLang="en-US" dirty="0"/>
+              <a:rPr lang="zh-CN" altLang="en-US" sz="2000" dirty="0"/>
               <a:t>列和</a:t>
             </a:r>
             <a:r>
-              <a:rPr lang="en-US" altLang="zh-CN" dirty="0"/>
+              <a:rPr lang="en-US" altLang="zh-CN" sz="2000" dirty="0"/>
               <a:t>SQLTEXT CLOB </a:t>
             </a:r>
             <a:r>
-              <a:rPr lang="zh-CN" altLang="en-US" dirty="0"/>
+              <a:rPr lang="zh-CN" altLang="en-US" sz="2000" dirty="0"/>
               <a:t>列。</a:t>
             </a:r>
-            <a:endParaRPr lang="en-US" altLang="zh-CN" dirty="0"/>
-          </a:p>
-          <a:p>
-            <a:r>
-              <a:rPr lang="en-US" altLang="zh-CN" dirty="0"/>
+            <a:endParaRPr lang="en-US" altLang="zh-CN" sz="2000" dirty="0"/>
+          </a:p>
+          <a:p>
+            <a:r>
+              <a:rPr lang="en-US" altLang="zh-CN" sz="2000" dirty="0"/>
               <a:t> - xml </a:t>
             </a:r>
             <a:r>
-              <a:rPr lang="zh-CN" altLang="en-US" dirty="0"/>
+              <a:rPr lang="zh-CN" altLang="en-US" sz="2000" dirty="0"/>
               <a:t>启用数据库审计，并将所有记录写到</a:t>
             </a:r>
             <a:r>
-              <a:rPr lang="en-US" altLang="zh-CN" dirty="0"/>
+              <a:rPr lang="en-US" altLang="zh-CN" sz="2000" dirty="0"/>
               <a:t>XML</a:t>
             </a:r>
             <a:r>
-              <a:rPr lang="zh-CN" altLang="en-US" dirty="0"/>
+              <a:rPr lang="zh-CN" altLang="en-US" sz="2000" dirty="0"/>
               <a:t>格式的操作系统文件中。</a:t>
             </a:r>
-            <a:endParaRPr lang="en-US" altLang="zh-CN" dirty="0"/>
-          </a:p>
-          <a:p>
-            <a:r>
-              <a:rPr lang="en-US" altLang="zh-CN" dirty="0"/>
+            <a:endParaRPr lang="en-US" altLang="zh-CN" sz="2000" dirty="0"/>
+          </a:p>
+          <a:p>
+            <a:r>
+              <a:rPr lang="en-US" altLang="zh-CN" sz="2000" dirty="0"/>
               <a:t> - </a:t>
             </a:r>
             <a:r>
-              <a:rPr lang="en-US" altLang="zh-CN" dirty="0" err="1"/>
+              <a:rPr lang="en-US" altLang="zh-CN" sz="2000" dirty="0" err="1"/>
               <a:t>xml_extended</a:t>
             </a:r>
             <a:r>
-              <a:rPr lang="en-US" altLang="zh-CN" dirty="0"/>
+              <a:rPr lang="en-US" altLang="zh-CN" sz="2000" dirty="0"/>
               <a:t> </a:t>
             </a:r>
             <a:r>
-              <a:rPr lang="zh-CN" altLang="en-US" dirty="0"/>
+              <a:rPr lang="zh-CN" altLang="en-US" sz="2000" dirty="0"/>
               <a:t>启用数据库审计，输出审计记录的所有列，包括</a:t>
             </a:r>
             <a:r>
-              <a:rPr lang="en-US" altLang="zh-CN" dirty="0" err="1"/>
+              <a:rPr lang="en-US" altLang="zh-CN" sz="2000" dirty="0" err="1"/>
               <a:t>SqlText</a:t>
             </a:r>
             <a:r>
-              <a:rPr lang="zh-CN" altLang="en-US" dirty="0"/>
+              <a:rPr lang="zh-CN" altLang="en-US" sz="2000" dirty="0"/>
               <a:t>和</a:t>
             </a:r>
             <a:r>
-              <a:rPr lang="en-US" altLang="zh-CN" dirty="0" err="1"/>
+              <a:rPr lang="en-US" altLang="zh-CN" sz="2000" dirty="0" err="1"/>
               <a:t>SqlBind</a:t>
             </a:r>
             <a:r>
-              <a:rPr lang="zh-CN" altLang="en-US" dirty="0"/>
+              <a:rPr lang="zh-CN" altLang="en-US" sz="2000" dirty="0"/>
               <a:t>的值。</a:t>
             </a:r>
           </a:p>
@@ -3019,8 +3019,8 @@
         </p:nvSpPr>
         <p:spPr>
           <a:xfrm>
-            <a:off x="1399842" y="4750043"/>
-            <a:ext cx="7241309" cy="1477328"/>
+            <a:off x="887683" y="4735053"/>
+            <a:ext cx="7241309" cy="1631216"/>
           </a:xfrm>
           <a:prstGeom prst="rect">
             <a:avLst/>
@@ -3034,89 +3034,89 @@
           <a:lstStyle/>
           <a:p>
             <a:r>
-              <a:rPr lang="zh-CN" altLang="en-US" dirty="0"/>
+              <a:rPr lang="zh-CN" altLang="en-US" sz="2000" dirty="0"/>
               <a:t>三个</a:t>
             </a:r>
             <a:r>
-              <a:rPr lang="en-US" altLang="zh-CN" dirty="0"/>
+              <a:rPr lang="en-US" altLang="zh-CN" sz="2000" dirty="0"/>
               <a:t>Oracle</a:t>
             </a:r>
             <a:r>
-              <a:rPr lang="zh-CN" altLang="en-US" dirty="0"/>
+              <a:rPr lang="zh-CN" altLang="en-US" sz="2000" dirty="0"/>
               <a:t>常用目录并说明作用</a:t>
             </a:r>
           </a:p>
           <a:p>
             <a:r>
-              <a:rPr lang="en-US" altLang="zh-CN" dirty="0"/>
+              <a:rPr lang="en-US" altLang="zh-CN" sz="2000" dirty="0"/>
               <a:t>1</a:t>
             </a:r>
             <a:r>
-              <a:rPr lang="zh-CN" altLang="en-US" dirty="0"/>
+              <a:rPr lang="zh-CN" altLang="en-US" sz="2000" dirty="0"/>
               <a:t>、</a:t>
             </a:r>
             <a:r>
-              <a:rPr lang="en-US" altLang="zh-CN" dirty="0"/>
+              <a:rPr lang="en-US" altLang="zh-CN" sz="2000" dirty="0"/>
               <a:t>admin</a:t>
             </a:r>
             <a:r>
-              <a:rPr lang="zh-CN" altLang="en-US" dirty="0"/>
+              <a:rPr lang="zh-CN" altLang="en-US" sz="2000" dirty="0"/>
               <a:t>目录：记录</a:t>
             </a:r>
             <a:r>
-              <a:rPr lang="en-US" altLang="zh-CN" dirty="0"/>
+              <a:rPr lang="en-US" altLang="zh-CN" sz="2000" dirty="0"/>
               <a:t>oracle</a:t>
             </a:r>
             <a:r>
-              <a:rPr lang="zh-CN" altLang="en-US" dirty="0"/>
+              <a:rPr lang="zh-CN" altLang="en-US" sz="2000" dirty="0"/>
               <a:t>实例的配置，运行日志等文件</a:t>
             </a:r>
           </a:p>
           <a:p>
             <a:r>
-              <a:rPr lang="en-US" altLang="zh-CN" dirty="0"/>
+              <a:rPr lang="en-US" altLang="zh-CN" sz="2000" dirty="0"/>
               <a:t>2</a:t>
             </a:r>
             <a:r>
-              <a:rPr lang="zh-CN" altLang="en-US" dirty="0"/>
+              <a:rPr lang="zh-CN" altLang="en-US" sz="2000" dirty="0"/>
               <a:t>、</a:t>
             </a:r>
             <a:r>
-              <a:rPr lang="en-US" altLang="zh-CN" dirty="0" err="1"/>
+              <a:rPr lang="en-US" altLang="zh-CN" sz="2000" dirty="0" err="1"/>
               <a:t>Cfgtoollogs</a:t>
             </a:r>
             <a:r>
-              <a:rPr lang="zh-CN" altLang="en-US" dirty="0"/>
+              <a:rPr lang="zh-CN" altLang="en-US" sz="2000" dirty="0"/>
               <a:t>目录：下面子目录分别存放当运行</a:t>
             </a:r>
             <a:r>
-              <a:rPr lang="en-US" altLang="zh-CN" dirty="0" err="1"/>
+              <a:rPr lang="en-US" altLang="zh-CN" sz="2000" dirty="0" err="1"/>
               <a:t>dbca,emca,netca</a:t>
             </a:r>
             <a:r>
-              <a:rPr lang="zh-CN" altLang="en-US" dirty="0"/>
+              <a:rPr lang="zh-CN" altLang="en-US" sz="2000" dirty="0"/>
               <a:t>等 图形化配置程序时的</a:t>
             </a:r>
             <a:r>
-              <a:rPr lang="en-US" altLang="zh-CN" dirty="0"/>
+              <a:rPr lang="en-US" altLang="zh-CN" sz="2000" dirty="0"/>
               <a:t>log</a:t>
             </a:r>
           </a:p>
           <a:p>
             <a:r>
-              <a:rPr lang="en-US" altLang="zh-CN" dirty="0"/>
+              <a:rPr lang="en-US" altLang="zh-CN" sz="2000" dirty="0"/>
               <a:t>3</a:t>
             </a:r>
             <a:r>
-              <a:rPr lang="zh-CN" altLang="en-US" dirty="0"/>
+              <a:rPr lang="zh-CN" altLang="en-US" sz="2000" dirty="0"/>
               <a:t>、</a:t>
             </a:r>
             <a:r>
-              <a:rPr lang="en-US" altLang="zh-CN" dirty="0"/>
+              <a:rPr lang="en-US" altLang="zh-CN" sz="2000" dirty="0"/>
               <a:t>Checkpoints</a:t>
             </a:r>
             <a:r>
-              <a:rPr lang="zh-CN" altLang="en-US" dirty="0"/>
+              <a:rPr lang="zh-CN" altLang="en-US" sz="2000" dirty="0"/>
               <a:t>目录：存放检查点文件</a:t>
             </a:r>
           </a:p>
@@ -3132,13 +3132,13 @@
   <p:clrMapOvr>
     <a:masterClrMapping/>
   </p:clrMapOvr>
-  <mc:AlternateContent xmlns:mc="http://schemas.openxmlformats.org/markup-compatibility/2006">
-    <mc:Choice xmlns:p14="http://schemas.microsoft.com/office/powerpoint/2010/main" Requires="p14">
+  <mc:AlternateContent xmlns:mc="http://schemas.openxmlformats.org/markup-compatibility/2006" xmlns:p14="http://schemas.microsoft.com/office/powerpoint/2010/main">
+    <mc:Choice Requires="p14">
       <p:transition spd="med" p14:dur="700">
         <p:fade/>
       </p:transition>
     </mc:Choice>
-    <mc:Fallback>
+    <mc:Fallback xmlns="">
       <p:transition spd="med">
         <p:fade/>
       </p:transition>
@@ -3178,8 +3178,8 @@
         </p:nvSpPr>
         <p:spPr>
           <a:xfrm>
-            <a:off x="1099126" y="1011489"/>
-            <a:ext cx="9273309" cy="646331"/>
+            <a:off x="814313" y="973343"/>
+            <a:ext cx="10308389" cy="707886"/>
           </a:xfrm>
           <a:prstGeom prst="rect">
             <a:avLst/>
@@ -3193,18 +3193,18 @@
           <a:lstStyle/>
           <a:p>
             <a:r>
-              <a:rPr lang="en-US" altLang="zh-CN" dirty="0"/>
+              <a:rPr lang="en-US" altLang="zh-CN" sz="2000" dirty="0"/>
               <a:t># </a:t>
             </a:r>
             <a:r>
-              <a:rPr lang="zh-CN" altLang="en-US" dirty="0"/>
+              <a:rPr lang="zh-CN" altLang="en-US" sz="2000" dirty="0"/>
               <a:t>建立密码文件</a:t>
             </a:r>
-            <a:endParaRPr lang="en-US" altLang="zh-CN" dirty="0"/>
-          </a:p>
-          <a:p>
-            <a:r>
-              <a:rPr lang="zh-CN" altLang="en-US" dirty="0"/>
+            <a:endParaRPr lang="en-US" altLang="zh-CN" sz="2000" dirty="0"/>
+          </a:p>
+          <a:p>
+            <a:r>
+              <a:rPr lang="zh-CN" altLang="en-US" sz="2000" dirty="0"/>
               <a:t>orapwd file=$ORACLE_HOME/dbs/orapwzzdb1 password=123456 entries=5 force=y</a:t>
             </a:r>
           </a:p>
@@ -3224,8 +3224,8 @@
         </p:nvSpPr>
         <p:spPr>
           <a:xfrm>
-            <a:off x="1025235" y="2034309"/>
-            <a:ext cx="9347199" cy="923330"/>
+            <a:off x="814313" y="1949238"/>
+            <a:ext cx="9347199" cy="1569660"/>
           </a:xfrm>
           <a:prstGeom prst="rect">
             <a:avLst/>
@@ -3239,7 +3239,7 @@
           <a:lstStyle/>
           <a:p>
             <a:r>
-              <a:rPr lang="en-US" altLang="zh-CN" b="0" i="0" dirty="0">
+              <a:rPr lang="en-US" altLang="zh-CN" sz="2400" b="0" i="0" dirty="0">
                 <a:solidFill>
                   <a:srgbClr val="111111"/>
                 </a:solidFill>
@@ -3250,7 +3250,7 @@
               <a:t>Oracle</a:t>
             </a:r>
             <a:r>
-              <a:rPr lang="zh-CN" altLang="en-US" b="0" i="0" dirty="0">
+              <a:rPr lang="zh-CN" altLang="en-US" sz="2400" b="0" i="0" dirty="0">
                 <a:solidFill>
                   <a:srgbClr val="111111"/>
                 </a:solidFill>
@@ -3261,7 +3261,7 @@
               <a:t>密码文件的作用主要是进行</a:t>
             </a:r>
             <a:r>
-              <a:rPr lang="en-US" altLang="zh-CN" b="0" i="0" dirty="0">
+              <a:rPr lang="en-US" altLang="zh-CN" sz="2400" b="0" i="0" dirty="0">
                 <a:solidFill>
                   <a:srgbClr val="111111"/>
                 </a:solidFill>
@@ -3272,7 +3272,7 @@
               <a:t>SYSDBA</a:t>
             </a:r>
             <a:r>
-              <a:rPr lang="zh-CN" altLang="en-US" b="0" i="0" dirty="0">
+              <a:rPr lang="zh-CN" altLang="en-US" sz="2400" b="0" i="0" dirty="0">
                 <a:solidFill>
                   <a:srgbClr val="111111"/>
                 </a:solidFill>
@@ -3283,7 +3283,7 @@
               <a:t>和</a:t>
             </a:r>
             <a:r>
-              <a:rPr lang="en-US" altLang="zh-CN" b="0" i="0" dirty="0">
+              <a:rPr lang="en-US" altLang="zh-CN" sz="2400" b="0" i="0" dirty="0">
                 <a:solidFill>
                   <a:srgbClr val="111111"/>
                 </a:solidFill>
@@ -3294,7 +3294,7 @@
               <a:t>SYSOPER</a:t>
             </a:r>
             <a:r>
-              <a:rPr lang="zh-CN" altLang="en-US" b="0" i="0" dirty="0">
+              <a:rPr lang="zh-CN" altLang="en-US" sz="2400" b="0" i="0" dirty="0">
                 <a:solidFill>
                   <a:srgbClr val="111111"/>
                 </a:solidFill>
@@ -3305,7 +3305,7 @@
               <a:t>权限的身份认证。 密码文件存放着被授予</a:t>
             </a:r>
             <a:r>
-              <a:rPr lang="en-US" altLang="zh-CN" b="0" i="0" dirty="0">
+              <a:rPr lang="en-US" altLang="zh-CN" sz="2400" b="0" i="0" dirty="0">
                 <a:solidFill>
                   <a:srgbClr val="111111"/>
                 </a:solidFill>
@@ -3316,7 +3316,7 @@
               <a:t>SYSDBA</a:t>
             </a:r>
             <a:r>
-              <a:rPr lang="zh-CN" altLang="en-US" b="0" i="0" dirty="0">
+              <a:rPr lang="zh-CN" altLang="en-US" sz="2400" b="0" i="0" dirty="0">
                 <a:solidFill>
                   <a:srgbClr val="111111"/>
                 </a:solidFill>
@@ -3327,7 +3327,7 @@
               <a:t>或</a:t>
             </a:r>
             <a:r>
-              <a:rPr lang="en-US" altLang="zh-CN" b="0" i="0" dirty="0">
+              <a:rPr lang="en-US" altLang="zh-CN" sz="2400" b="0" i="0" dirty="0">
                 <a:solidFill>
                   <a:srgbClr val="111111"/>
                 </a:solidFill>
@@ -3338,7 +3338,7 @@
               <a:t>SYSOPER</a:t>
             </a:r>
             <a:r>
-              <a:rPr lang="zh-CN" altLang="en-US" b="0" i="0" dirty="0">
+              <a:rPr lang="zh-CN" altLang="en-US" sz="2400" b="0" i="0" dirty="0">
                 <a:solidFill>
                   <a:srgbClr val="111111"/>
                 </a:solidFill>
@@ -3349,7 +3349,7 @@
               <a:t>权限的用户的用户名和密码。 它是一个加密的文件，用户不能修改这个文件，但是可以使用</a:t>
             </a:r>
             <a:r>
-              <a:rPr lang="en-US" altLang="zh-CN" b="0" i="0" dirty="0">
+              <a:rPr lang="en-US" altLang="zh-CN" sz="2400" b="0" i="0" dirty="0">
                 <a:solidFill>
                   <a:srgbClr val="111111"/>
                 </a:solidFill>
@@ -3360,7 +3360,7 @@
               <a:t>strings</a:t>
             </a:r>
             <a:r>
-              <a:rPr lang="zh-CN" altLang="en-US" b="0" i="0" dirty="0">
+              <a:rPr lang="zh-CN" altLang="en-US" sz="2400" b="0" i="0" dirty="0">
                 <a:solidFill>
                   <a:srgbClr val="111111"/>
                 </a:solidFill>
@@ -3371,7 +3371,7 @@
               <a:t>命令看到密码的</a:t>
             </a:r>
             <a:r>
-              <a:rPr lang="en-US" altLang="zh-CN" b="0" i="0" dirty="0">
+              <a:rPr lang="en-US" altLang="zh-CN" sz="2400" b="0" i="0" dirty="0">
                 <a:solidFill>
                   <a:srgbClr val="111111"/>
                 </a:solidFill>
@@ -3382,7 +3382,7 @@
               <a:t>HASH</a:t>
             </a:r>
             <a:r>
-              <a:rPr lang="zh-CN" altLang="en-US" b="0" i="0" dirty="0">
+              <a:rPr lang="zh-CN" altLang="en-US" sz="2400" b="0" i="0" dirty="0">
                 <a:solidFill>
                   <a:srgbClr val="111111"/>
                 </a:solidFill>
@@ -3393,7 +3393,7 @@
               <a:t>值</a:t>
             </a:r>
             <a:r>
-              <a:rPr lang="zh-CN" altLang="en-US" dirty="0">
+              <a:rPr lang="zh-CN" altLang="en-US" sz="2400" dirty="0">
                 <a:solidFill>
                   <a:srgbClr val="111111"/>
                 </a:solidFill>
@@ -3402,7 +3402,7 @@
               </a:rPr>
               <a:t>。</a:t>
             </a:r>
-            <a:endParaRPr lang="zh-CN" altLang="en-US" dirty="0"/>
+            <a:endParaRPr lang="zh-CN" altLang="en-US" sz="2400" dirty="0"/>
           </a:p>
         </p:txBody>
       </p:sp>
@@ -3420,8 +3420,8 @@
         </p:nvSpPr>
         <p:spPr>
           <a:xfrm>
-            <a:off x="1099126" y="3786908"/>
-            <a:ext cx="2512226" cy="1200329"/>
+            <a:off x="814313" y="4068775"/>
+            <a:ext cx="3812262" cy="1815882"/>
           </a:xfrm>
           <a:prstGeom prst="rect">
             <a:avLst/>
@@ -3435,35 +3435,35 @@
           <a:lstStyle/>
           <a:p>
             <a:r>
-              <a:rPr lang="en-US" altLang="zh-CN" dirty="0" err="1"/>
+              <a:rPr lang="en-US" altLang="zh-CN" sz="2800" dirty="0" err="1"/>
               <a:t>sqlplus</a:t>
             </a:r>
             <a:r>
-              <a:rPr lang="en-US" altLang="zh-CN" dirty="0"/>
+              <a:rPr lang="en-US" altLang="zh-CN" sz="2800" dirty="0"/>
               <a:t> / as </a:t>
             </a:r>
             <a:r>
-              <a:rPr lang="en-US" altLang="zh-CN" dirty="0" err="1"/>
+              <a:rPr lang="en-US" altLang="zh-CN" sz="2800" dirty="0" err="1"/>
               <a:t>sysdba</a:t>
             </a:r>
-            <a:endParaRPr lang="en-US" altLang="zh-CN" dirty="0"/>
-          </a:p>
-          <a:p>
-            <a:endParaRPr lang="en-US" altLang="zh-CN" dirty="0"/>
-          </a:p>
-          <a:p>
-            <a:endParaRPr lang="en-US" altLang="zh-CN" dirty="0"/>
-          </a:p>
-          <a:p>
-            <a:r>
-              <a:rPr lang="en-US" altLang="zh-CN" dirty="0"/>
+            <a:endParaRPr lang="en-US" altLang="zh-CN" sz="2800" dirty="0"/>
+          </a:p>
+          <a:p>
+            <a:endParaRPr lang="en-US" altLang="zh-CN" sz="2800" dirty="0"/>
+          </a:p>
+          <a:p>
+            <a:endParaRPr lang="en-US" altLang="zh-CN" sz="2800" dirty="0"/>
+          </a:p>
+          <a:p>
+            <a:r>
+              <a:rPr lang="en-US" altLang="zh-CN" sz="2800" dirty="0"/>
               <a:t>SQL&gt; startup </a:t>
             </a:r>
             <a:r>
-              <a:rPr lang="en-US" altLang="zh-CN" dirty="0" err="1"/>
+              <a:rPr lang="en-US" altLang="zh-CN" sz="2800" dirty="0" err="1"/>
               <a:t>nomount</a:t>
             </a:r>
-            <a:endParaRPr lang="zh-CN" altLang="en-US" dirty="0"/>
+            <a:endParaRPr lang="zh-CN" altLang="en-US" sz="2800" dirty="0"/>
           </a:p>
         </p:txBody>
       </p:sp>
@@ -3523,8 +3523,8 @@
         </p:nvSpPr>
         <p:spPr>
           <a:xfrm>
-            <a:off x="337127" y="751344"/>
-            <a:ext cx="11517745" cy="5355312"/>
+            <a:off x="232196" y="104931"/>
+            <a:ext cx="11517745" cy="6863417"/>
           </a:xfrm>
           <a:prstGeom prst="rect">
             <a:avLst/>
@@ -3538,256 +3538,256 @@
           <a:lstStyle/>
           <a:p>
             <a:r>
-              <a:rPr lang="en-US" altLang="zh-CN" dirty="0"/>
+              <a:rPr lang="en-US" altLang="zh-CN" sz="2200" dirty="0"/>
               <a:t># </a:t>
             </a:r>
             <a:r>
-              <a:rPr lang="zh-CN" altLang="en-US" dirty="0"/>
+              <a:rPr lang="zh-CN" altLang="en-US" sz="2200" dirty="0"/>
               <a:t>创建数据库</a:t>
             </a:r>
             <a:r>
-              <a:rPr lang="en-US" altLang="zh-CN" dirty="0"/>
+              <a:rPr lang="en-US" altLang="zh-CN" sz="2200" dirty="0"/>
               <a:t>zzdb1</a:t>
             </a:r>
           </a:p>
           <a:p>
             <a:r>
-              <a:rPr lang="en-US" altLang="zh-CN" dirty="0"/>
+              <a:rPr lang="en-US" altLang="zh-CN" sz="2200" dirty="0"/>
               <a:t>create database zzdb1</a:t>
             </a:r>
           </a:p>
           <a:p>
             <a:r>
-              <a:rPr lang="en-US" altLang="zh-CN" dirty="0"/>
+              <a:rPr lang="en-US" altLang="zh-CN" sz="2200" dirty="0"/>
               <a:t># </a:t>
             </a:r>
             <a:r>
-              <a:rPr lang="zh-CN" altLang="en-US" dirty="0"/>
+              <a:rPr lang="zh-CN" altLang="en-US" sz="2200" dirty="0"/>
               <a:t>设置</a:t>
             </a:r>
             <a:r>
-              <a:rPr lang="en-US" altLang="zh-CN" dirty="0"/>
+              <a:rPr lang="en-US" altLang="zh-CN" sz="2200" dirty="0"/>
               <a:t>sys</a:t>
             </a:r>
             <a:r>
-              <a:rPr lang="zh-CN" altLang="en-US" dirty="0"/>
+              <a:rPr lang="zh-CN" altLang="en-US" sz="2200" dirty="0"/>
               <a:t>与</a:t>
             </a:r>
             <a:r>
-              <a:rPr lang="en-US" altLang="zh-CN" dirty="0"/>
+              <a:rPr lang="en-US" altLang="zh-CN" sz="2200" dirty="0"/>
               <a:t>system</a:t>
             </a:r>
             <a:r>
-              <a:rPr lang="zh-CN" altLang="en-US" dirty="0"/>
+              <a:rPr lang="zh-CN" altLang="en-US" sz="2200" dirty="0"/>
               <a:t>的密码</a:t>
             </a:r>
-            <a:endParaRPr lang="en-US" altLang="zh-CN" dirty="0"/>
-          </a:p>
-          <a:p>
-            <a:r>
-              <a:rPr lang="en-US" altLang="zh-CN" dirty="0"/>
+            <a:endParaRPr lang="en-US" altLang="zh-CN" sz="2200" dirty="0"/>
+          </a:p>
+          <a:p>
+            <a:r>
+              <a:rPr lang="en-US" altLang="zh-CN" sz="2200" dirty="0"/>
               <a:t>user sys identified by oracle</a:t>
             </a:r>
           </a:p>
           <a:p>
             <a:r>
-              <a:rPr lang="en-US" altLang="zh-CN" dirty="0"/>
+              <a:rPr lang="en-US" altLang="zh-CN" sz="2200" dirty="0"/>
               <a:t>user system identified by oracle</a:t>
             </a:r>
           </a:p>
           <a:p>
             <a:r>
-              <a:rPr lang="en-US" altLang="zh-CN" dirty="0"/>
+              <a:rPr lang="en-US" altLang="zh-CN" sz="2200" dirty="0"/>
               <a:t># </a:t>
             </a:r>
             <a:r>
-              <a:rPr lang="zh-CN" altLang="en-US" dirty="0"/>
+              <a:rPr lang="zh-CN" altLang="en-US" sz="2200" dirty="0"/>
               <a:t>设置</a:t>
             </a:r>
             <a:r>
-              <a:rPr lang="en-US" altLang="zh-CN" dirty="0"/>
+              <a:rPr lang="en-US" altLang="zh-CN" sz="2200" dirty="0"/>
               <a:t>redo</a:t>
             </a:r>
             <a:r>
-              <a:rPr lang="zh-CN" altLang="en-US" dirty="0"/>
+              <a:rPr lang="zh-CN" altLang="en-US" sz="2200" dirty="0"/>
               <a:t>组与成员</a:t>
             </a:r>
-            <a:endParaRPr lang="en-US" altLang="zh-CN" dirty="0"/>
-          </a:p>
-          <a:p>
-            <a:r>
-              <a:rPr lang="en-US" altLang="zh-CN" dirty="0"/>
+            <a:endParaRPr lang="en-US" altLang="zh-CN" sz="2200" dirty="0"/>
+          </a:p>
+          <a:p>
+            <a:r>
+              <a:rPr lang="en-US" altLang="zh-CN" sz="2200" dirty="0"/>
               <a:t>logfile group 1 ('/</a:t>
             </a:r>
             <a:r>
-              <a:rPr lang="en-US" altLang="zh-CN" dirty="0" err="1"/>
+              <a:rPr lang="en-US" altLang="zh-CN" sz="2200" dirty="0" err="1"/>
               <a:t>oradata</a:t>
             </a:r>
             <a:r>
-              <a:rPr lang="en-US" altLang="zh-CN" dirty="0"/>
+              <a:rPr lang="en-US" altLang="zh-CN" sz="2200" dirty="0"/>
               <a:t>/zzdb1/redo01a.log','/</a:t>
             </a:r>
             <a:r>
-              <a:rPr lang="en-US" altLang="zh-CN" dirty="0" err="1"/>
+              <a:rPr lang="en-US" altLang="zh-CN" sz="2200" dirty="0" err="1"/>
               <a:t>oradata</a:t>
             </a:r>
             <a:r>
-              <a:rPr lang="en-US" altLang="zh-CN" dirty="0"/>
+              <a:rPr lang="en-US" altLang="zh-CN" sz="2200" dirty="0"/>
               <a:t>/zzdb1/redo01b.log') size 8m </a:t>
             </a:r>
             <a:r>
-              <a:rPr lang="en-US" altLang="zh-CN" dirty="0" err="1"/>
+              <a:rPr lang="en-US" altLang="zh-CN" sz="2200" dirty="0" err="1"/>
               <a:t>blocksize</a:t>
             </a:r>
             <a:r>
-              <a:rPr lang="en-US" altLang="zh-CN" dirty="0"/>
+              <a:rPr lang="en-US" altLang="zh-CN" sz="2200" dirty="0"/>
               <a:t> 512,group 2 ('/</a:t>
             </a:r>
             <a:r>
-              <a:rPr lang="en-US" altLang="zh-CN" dirty="0" err="1"/>
+              <a:rPr lang="en-US" altLang="zh-CN" sz="2200" dirty="0" err="1"/>
               <a:t>oradata</a:t>
             </a:r>
             <a:r>
-              <a:rPr lang="en-US" altLang="zh-CN" dirty="0"/>
+              <a:rPr lang="en-US" altLang="zh-CN" sz="2200" dirty="0"/>
               <a:t>/zzdb1/redo02a.log','/</a:t>
             </a:r>
             <a:r>
-              <a:rPr lang="en-US" altLang="zh-CN" dirty="0" err="1"/>
+              <a:rPr lang="en-US" altLang="zh-CN" sz="2200" dirty="0" err="1"/>
               <a:t>oradata</a:t>
             </a:r>
             <a:r>
-              <a:rPr lang="en-US" altLang="zh-CN" dirty="0"/>
+              <a:rPr lang="en-US" altLang="zh-CN" sz="2200" dirty="0"/>
               <a:t>/zzdb1/redo02b.log') size 8m </a:t>
             </a:r>
             <a:r>
-              <a:rPr lang="en-US" altLang="zh-CN" dirty="0" err="1"/>
+              <a:rPr lang="en-US" altLang="zh-CN" sz="2200" dirty="0" err="1"/>
               <a:t>blocksize</a:t>
             </a:r>
             <a:r>
-              <a:rPr lang="en-US" altLang="zh-CN" dirty="0"/>
+              <a:rPr lang="en-US" altLang="zh-CN" sz="2200" dirty="0"/>
               <a:t> 512,group 3 ('/</a:t>
             </a:r>
             <a:r>
-              <a:rPr lang="en-US" altLang="zh-CN" dirty="0" err="1"/>
+              <a:rPr lang="en-US" altLang="zh-CN" sz="2200" dirty="0" err="1"/>
               <a:t>oradata</a:t>
             </a:r>
             <a:r>
-              <a:rPr lang="en-US" altLang="zh-CN" dirty="0"/>
+              <a:rPr lang="en-US" altLang="zh-CN" sz="2200" dirty="0"/>
               <a:t>/zzdb1/redo03a.log','/</a:t>
             </a:r>
             <a:r>
-              <a:rPr lang="en-US" altLang="zh-CN" dirty="0" err="1"/>
+              <a:rPr lang="en-US" altLang="zh-CN" sz="2200" dirty="0" err="1"/>
               <a:t>oradata</a:t>
             </a:r>
             <a:r>
-              <a:rPr lang="en-US" altLang="zh-CN" dirty="0"/>
+              <a:rPr lang="en-US" altLang="zh-CN" sz="2200" dirty="0"/>
               <a:t>/zzdb1/redo03b.log') size 8m </a:t>
             </a:r>
             <a:r>
-              <a:rPr lang="en-US" altLang="zh-CN" dirty="0" err="1"/>
+              <a:rPr lang="en-US" altLang="zh-CN" sz="2200" dirty="0" err="1"/>
               <a:t>blocksize</a:t>
             </a:r>
             <a:r>
-              <a:rPr lang="en-US" altLang="zh-CN" dirty="0"/>
+              <a:rPr lang="en-US" altLang="zh-CN" sz="2200" dirty="0"/>
               <a:t> 512</a:t>
             </a:r>
           </a:p>
           <a:p>
             <a:r>
-              <a:rPr lang="en-US" altLang="zh-CN" dirty="0"/>
+              <a:rPr lang="en-US" altLang="zh-CN" sz="2200" dirty="0"/>
               <a:t># </a:t>
             </a:r>
             <a:r>
-              <a:rPr lang="zh-CN" altLang="en-US" dirty="0"/>
+              <a:rPr lang="zh-CN" altLang="en-US" sz="2200" dirty="0"/>
               <a:t>设置</a:t>
             </a:r>
             <a:r>
-              <a:rPr lang="en-US" altLang="zh-CN" dirty="0"/>
+              <a:rPr lang="en-US" altLang="zh-CN" sz="2200" dirty="0"/>
               <a:t>log</a:t>
             </a:r>
             <a:r>
-              <a:rPr lang="zh-CN" altLang="en-US" dirty="0"/>
+              <a:rPr lang="zh-CN" altLang="en-US" sz="2200" dirty="0"/>
               <a:t>相关参数</a:t>
             </a:r>
-            <a:endParaRPr lang="en-US" altLang="zh-CN" dirty="0"/>
-          </a:p>
-          <a:p>
-            <a:r>
-              <a:rPr lang="en-US" altLang="zh-CN" dirty="0" err="1"/>
+            <a:endParaRPr lang="en-US" altLang="zh-CN" sz="2200" dirty="0"/>
+          </a:p>
+          <a:p>
+            <a:r>
+              <a:rPr lang="en-US" altLang="zh-CN" sz="2200" dirty="0" err="1"/>
               <a:t>maxlogfiles</a:t>
             </a:r>
             <a:r>
-              <a:rPr lang="en-US" altLang="zh-CN" dirty="0"/>
+              <a:rPr lang="en-US" altLang="zh-CN" sz="2200" dirty="0"/>
               <a:t> 16</a:t>
             </a:r>
           </a:p>
           <a:p>
             <a:r>
-              <a:rPr lang="en-US" altLang="zh-CN" dirty="0" err="1"/>
+              <a:rPr lang="en-US" altLang="zh-CN" sz="2200" dirty="0" err="1"/>
               <a:t>maxlogmembers</a:t>
             </a:r>
             <a:r>
-              <a:rPr lang="en-US" altLang="zh-CN" dirty="0"/>
+              <a:rPr lang="en-US" altLang="zh-CN" sz="2200" dirty="0"/>
               <a:t> 3</a:t>
             </a:r>
           </a:p>
           <a:p>
             <a:r>
-              <a:rPr lang="en-US" altLang="zh-CN" dirty="0" err="1"/>
+              <a:rPr lang="en-US" altLang="zh-CN" sz="2200" dirty="0" err="1"/>
               <a:t>maxloghistory</a:t>
             </a:r>
             <a:r>
-              <a:rPr lang="en-US" altLang="zh-CN" dirty="0"/>
+              <a:rPr lang="en-US" altLang="zh-CN" sz="2200" dirty="0"/>
               <a:t> 1</a:t>
             </a:r>
           </a:p>
           <a:p>
             <a:r>
-              <a:rPr lang="en-US" altLang="zh-CN" dirty="0" err="1"/>
+              <a:rPr lang="en-US" altLang="zh-CN" sz="2200" dirty="0" err="1"/>
               <a:t>maxdatafiles</a:t>
             </a:r>
             <a:r>
-              <a:rPr lang="en-US" altLang="zh-CN" dirty="0"/>
+              <a:rPr lang="en-US" altLang="zh-CN" sz="2200" dirty="0"/>
               <a:t> 1000</a:t>
             </a:r>
           </a:p>
           <a:p>
             <a:r>
-              <a:rPr lang="en-US" altLang="zh-CN" dirty="0"/>
+              <a:rPr lang="en-US" altLang="zh-CN" sz="2200" dirty="0"/>
               <a:t># </a:t>
             </a:r>
             <a:r>
-              <a:rPr lang="zh-CN" altLang="en-US" dirty="0"/>
+              <a:rPr lang="zh-CN" altLang="en-US" sz="2200" dirty="0"/>
               <a:t>设置字符集</a:t>
             </a:r>
-            <a:endParaRPr lang="en-US" altLang="zh-CN" dirty="0"/>
-          </a:p>
-          <a:p>
-            <a:r>
-              <a:rPr lang="en-US" altLang="zh-CN" dirty="0"/>
+            <a:endParaRPr lang="en-US" altLang="zh-CN" sz="2200" dirty="0"/>
+          </a:p>
+          <a:p>
+            <a:r>
+              <a:rPr lang="en-US" altLang="zh-CN" sz="2200" dirty="0"/>
               <a:t>character set ZHS16GBK</a:t>
             </a:r>
           </a:p>
           <a:p>
             <a:r>
-              <a:rPr lang="en-US" altLang="zh-CN" dirty="0"/>
+              <a:rPr lang="en-US" altLang="zh-CN" sz="2200" dirty="0"/>
               <a:t>NATIONAL CHARACTER SET AL16UTF16</a:t>
             </a:r>
           </a:p>
           <a:p>
             <a:r>
-              <a:rPr lang="en-US" altLang="zh-CN" dirty="0"/>
+              <a:rPr lang="en-US" altLang="zh-CN" sz="2200" dirty="0"/>
               <a:t># </a:t>
             </a:r>
             <a:r>
-              <a:rPr lang="zh-CN" altLang="en-US" dirty="0"/>
+              <a:rPr lang="zh-CN" altLang="en-US" sz="2200" dirty="0"/>
               <a:t>设置表空间本地管理</a:t>
             </a:r>
-            <a:endParaRPr lang="en-US" altLang="zh-CN" dirty="0"/>
-          </a:p>
-          <a:p>
-            <a:r>
-              <a:rPr lang="en-US" altLang="zh-CN" dirty="0"/>
+            <a:endParaRPr lang="en-US" altLang="zh-CN" sz="2200" dirty="0"/>
+          </a:p>
+          <a:p>
+            <a:r>
+              <a:rPr lang="en-US" altLang="zh-CN" sz="2200" dirty="0"/>
               <a:t>extent management local</a:t>
             </a:r>
           </a:p>
@@ -3803,13 +3803,13 @@
   <p:clrMapOvr>
     <a:masterClrMapping/>
   </p:clrMapOvr>
-  <mc:AlternateContent xmlns:mc="http://schemas.openxmlformats.org/markup-compatibility/2006">
-    <mc:Choice xmlns:p14="http://schemas.microsoft.com/office/powerpoint/2010/main" Requires="p14">
+  <mc:AlternateContent xmlns:mc="http://schemas.openxmlformats.org/markup-compatibility/2006" xmlns:p14="http://schemas.microsoft.com/office/powerpoint/2010/main">
+    <mc:Choice Requires="p14">
       <p:transition spd="med" p14:dur="700">
         <p:fade/>
       </p:transition>
     </mc:Choice>
-    <mc:Fallback>
+    <mc:Fallback xmlns="">
       <p:transition spd="med">
         <p:fade/>
       </p:transition>
@@ -4056,13 +4056,13 @@
   <p:clrMapOvr>
     <a:masterClrMapping/>
   </p:clrMapOvr>
-  <mc:AlternateContent xmlns:mc="http://schemas.openxmlformats.org/markup-compatibility/2006">
-    <mc:Choice xmlns:p14="http://schemas.microsoft.com/office/powerpoint/2010/main" Requires="p14">
+  <mc:AlternateContent xmlns:mc="http://schemas.openxmlformats.org/markup-compatibility/2006" xmlns:p14="http://schemas.microsoft.com/office/powerpoint/2010/main">
+    <mc:Choice Requires="p14">
       <p:transition spd="med" p14:dur="700">
         <p:fade/>
       </p:transition>
     </mc:Choice>
-    <mc:Fallback>
+    <mc:Fallback xmlns="">
       <p:transition spd="med">
         <p:fade/>
       </p:transition>
@@ -4373,8 +4373,8 @@
         </p:nvSpPr>
         <p:spPr>
           <a:xfrm>
-            <a:off x="1186259" y="1683940"/>
-            <a:ext cx="7122463" cy="3693319"/>
+            <a:off x="931426" y="582067"/>
+            <a:ext cx="8289449" cy="5693866"/>
           </a:xfrm>
           <a:prstGeom prst="rect">
             <a:avLst/>
@@ -4388,166 +4388,158 @@
           <a:lstStyle/>
           <a:p>
             <a:r>
-              <a:rPr lang="en-US" altLang="zh-CN" dirty="0"/>
+              <a:rPr lang="en-US" altLang="zh-CN" sz="2800" dirty="0"/>
               <a:t># </a:t>
             </a:r>
             <a:r>
-              <a:rPr lang="zh-CN" altLang="en-US" dirty="0"/>
+              <a:rPr lang="zh-CN" altLang="en-US" sz="2800" dirty="0"/>
               <a:t>数据库安装成功后自动开启数据库</a:t>
             </a:r>
-            <a:endParaRPr lang="en-US" altLang="zh-CN" dirty="0"/>
-          </a:p>
-          <a:p>
-            <a:r>
-              <a:rPr lang="en-US" altLang="zh-CN" dirty="0"/>
+            <a:endParaRPr lang="en-US" altLang="zh-CN" sz="2800" dirty="0"/>
+          </a:p>
+          <a:p>
+            <a:r>
+              <a:rPr lang="en-US" altLang="zh-CN" sz="2800" dirty="0"/>
               <a:t>SQL&gt;select </a:t>
             </a:r>
             <a:r>
-              <a:rPr lang="en-US" altLang="zh-CN" dirty="0" err="1"/>
+              <a:rPr lang="en-US" altLang="zh-CN" sz="2800" dirty="0" err="1"/>
               <a:t>instance_name,status</a:t>
             </a:r>
             <a:r>
-              <a:rPr lang="en-US" altLang="zh-CN" dirty="0"/>
+              <a:rPr lang="en-US" altLang="zh-CN" sz="2800" dirty="0"/>
               <a:t> from </a:t>
             </a:r>
             <a:r>
-              <a:rPr lang="en-US" altLang="zh-CN" dirty="0" err="1"/>
+              <a:rPr lang="en-US" altLang="zh-CN" sz="2800" dirty="0" err="1"/>
               <a:t>v$instance</a:t>
             </a:r>
-            <a:endParaRPr lang="en-US" altLang="zh-CN" dirty="0"/>
-          </a:p>
-          <a:p>
-            <a:endParaRPr lang="en-US" altLang="zh-CN" dirty="0"/>
-          </a:p>
-          <a:p>
-            <a:r>
-              <a:rPr lang="en-US" altLang="zh-CN" dirty="0"/>
+            <a:endParaRPr lang="en-US" altLang="zh-CN" sz="2800" dirty="0"/>
+          </a:p>
+          <a:p>
+            <a:endParaRPr lang="en-US" altLang="zh-CN" sz="2800" dirty="0"/>
+          </a:p>
+          <a:p>
+            <a:r>
+              <a:rPr lang="en-US" altLang="zh-CN" sz="2800" dirty="0"/>
               <a:t># </a:t>
             </a:r>
             <a:r>
-              <a:rPr lang="zh-CN" altLang="en-US" dirty="0"/>
+              <a:rPr lang="zh-CN" altLang="en-US" sz="2800" dirty="0"/>
               <a:t>创建字典</a:t>
             </a:r>
-            <a:endParaRPr lang="en-US" altLang="zh-CN" dirty="0"/>
-          </a:p>
-          <a:p>
-            <a:r>
-              <a:rPr lang="en-US" altLang="zh-CN" dirty="0"/>
+            <a:endParaRPr lang="en-US" altLang="zh-CN" sz="2800" dirty="0"/>
+          </a:p>
+          <a:p>
+            <a:r>
+              <a:rPr lang="en-US" altLang="zh-CN" sz="2800" dirty="0"/>
               <a:t># </a:t>
             </a:r>
             <a:r>
-              <a:rPr lang="zh-CN" altLang="en-US" dirty="0"/>
+              <a:rPr lang="zh-CN" altLang="en-US" sz="2800" dirty="0"/>
               <a:t>用户为</a:t>
             </a:r>
             <a:r>
-              <a:rPr lang="en-US" altLang="zh-CN" dirty="0"/>
+              <a:rPr lang="en-US" altLang="zh-CN" sz="2800" dirty="0"/>
               <a:t>sys</a:t>
             </a:r>
           </a:p>
           <a:p>
             <a:r>
-              <a:rPr lang="en-US" altLang="zh-CN" dirty="0"/>
+              <a:rPr lang="en-US" altLang="zh-CN" sz="2800" dirty="0"/>
               <a:t># </a:t>
             </a:r>
             <a:r>
-              <a:rPr lang="zh-CN" altLang="en-US" dirty="0"/>
+              <a:rPr lang="zh-CN" altLang="en-US" sz="2800" dirty="0"/>
               <a:t>静态字典视图，如</a:t>
             </a:r>
             <a:r>
-              <a:rPr lang="en-US" altLang="zh-CN" dirty="0" err="1"/>
+              <a:rPr lang="en-US" altLang="zh-CN" sz="2800" dirty="0" err="1"/>
               <a:t>dba_data_files</a:t>
             </a:r>
             <a:r>
-              <a:rPr lang="en-US" altLang="zh-CN" dirty="0"/>
+              <a:rPr lang="en-US" altLang="zh-CN" sz="2800" dirty="0"/>
               <a:t> </a:t>
             </a:r>
           </a:p>
           <a:p>
             <a:r>
-              <a:rPr lang="en-US" altLang="zh-CN" dirty="0"/>
+              <a:rPr lang="en-US" altLang="zh-CN" sz="2800" dirty="0"/>
               <a:t>SQL&gt;@?/rdbms/admin/catalog.sql</a:t>
             </a:r>
           </a:p>
           <a:p>
             <a:r>
-              <a:rPr lang="en-US" altLang="zh-CN" dirty="0"/>
+              <a:rPr lang="en-US" altLang="zh-CN" sz="2800" dirty="0"/>
               <a:t>#</a:t>
             </a:r>
             <a:r>
-              <a:rPr lang="zh-CN" altLang="en-US" dirty="0"/>
+              <a:rPr lang="zh-CN" altLang="en-US" sz="2800" dirty="0"/>
               <a:t>创建常用的</a:t>
             </a:r>
             <a:r>
-              <a:rPr lang="en-US" altLang="zh-CN" dirty="0"/>
+              <a:rPr lang="en-US" altLang="zh-CN" sz="2800" dirty="0"/>
               <a:t>PL/SQL</a:t>
             </a:r>
             <a:r>
-              <a:rPr lang="zh-CN" altLang="en-US" dirty="0"/>
+              <a:rPr lang="zh-CN" altLang="en-US" sz="2800" dirty="0"/>
               <a:t>程序包 </a:t>
             </a:r>
             <a:r>
-              <a:rPr lang="en-US" altLang="zh-CN" dirty="0" err="1"/>
+              <a:rPr lang="en-US" altLang="zh-CN" sz="2800" dirty="0" err="1"/>
               <a:t>dbms_metadata</a:t>
             </a:r>
             <a:r>
-              <a:rPr lang="zh-CN" altLang="en-US" dirty="0"/>
-              <a:t>包，并创建</a:t>
-            </a:r>
-            <a:r>
-              <a:rPr lang="en-US" altLang="zh-CN" dirty="0" err="1"/>
-              <a:t>pupbld.sql</a:t>
-            </a:r>
-            <a:r>
-              <a:rPr lang="zh-CN" altLang="en-US" dirty="0"/>
-              <a:t>。</a:t>
-            </a:r>
-            <a:endParaRPr lang="en-US" altLang="zh-CN" dirty="0"/>
-          </a:p>
-          <a:p>
-            <a:r>
-              <a:rPr lang="en-US" altLang="zh-CN" dirty="0"/>
+              <a:rPr lang="zh-CN" altLang="en-US" sz="2800" dirty="0"/>
+              <a:t>包</a:t>
+            </a:r>
+            <a:endParaRPr lang="en-US" altLang="zh-CN" sz="2800" dirty="0"/>
+          </a:p>
+          <a:p>
+            <a:r>
+              <a:rPr lang="en-US" altLang="zh-CN" sz="2800" dirty="0"/>
               <a:t>SQL&gt;@?/rdbms/admin/catproc.sql</a:t>
             </a:r>
           </a:p>
           <a:p>
-            <a:endParaRPr lang="en-US" altLang="zh-CN" dirty="0"/>
-          </a:p>
-          <a:p>
-            <a:r>
-              <a:rPr lang="en-US" altLang="zh-CN" dirty="0"/>
+            <a:endParaRPr lang="en-US" altLang="zh-CN" sz="2800" dirty="0"/>
+          </a:p>
+          <a:p>
+            <a:r>
+              <a:rPr lang="en-US" altLang="zh-CN" sz="2800" dirty="0"/>
               <a:t># </a:t>
             </a:r>
             <a:r>
-              <a:rPr lang="zh-CN" altLang="en-US" dirty="0"/>
+              <a:rPr lang="zh-CN" altLang="en-US" sz="2800" dirty="0"/>
               <a:t>用户为</a:t>
             </a:r>
             <a:r>
-              <a:rPr lang="en-US" altLang="zh-CN" dirty="0"/>
+              <a:rPr lang="en-US" altLang="zh-CN" sz="2800" dirty="0"/>
               <a:t>system</a:t>
             </a:r>
           </a:p>
           <a:p>
             <a:r>
-              <a:rPr lang="en-US" altLang="zh-CN" dirty="0"/>
+              <a:rPr lang="en-US" altLang="zh-CN" sz="2800" dirty="0"/>
               <a:t>#</a:t>
             </a:r>
             <a:r>
-              <a:rPr lang="zh-CN" altLang="en-US" dirty="0"/>
+              <a:rPr lang="zh-CN" altLang="en-US" sz="2800" dirty="0"/>
               <a:t>限制用户在</a:t>
             </a:r>
             <a:r>
-              <a:rPr lang="en-US" altLang="zh-CN" dirty="0" err="1"/>
+              <a:rPr lang="en-US" altLang="zh-CN" sz="2800" dirty="0" err="1"/>
               <a:t>sqlplus</a:t>
             </a:r>
             <a:r>
-              <a:rPr lang="zh-CN" altLang="en-US" dirty="0"/>
+              <a:rPr lang="zh-CN" altLang="en-US" sz="2800" dirty="0"/>
               <a:t>中执行命令</a:t>
             </a:r>
-            <a:endParaRPr lang="en-US" altLang="zh-CN" dirty="0"/>
-          </a:p>
-          <a:p>
-            <a:r>
-              <a:rPr lang="en-US" altLang="zh-CN" dirty="0"/>
+            <a:endParaRPr lang="en-US" altLang="zh-CN" sz="2800" dirty="0"/>
+          </a:p>
+          <a:p>
+            <a:r>
+              <a:rPr lang="en-US" altLang="zh-CN" sz="2800" dirty="0"/>
               <a:t>SQL&gt;@?/sqlplus/admin/pupbld.sql</a:t>
             </a:r>
           </a:p>
@@ -4563,13 +4555,13 @@
   <p:clrMapOvr>
     <a:masterClrMapping/>
   </p:clrMapOvr>
-  <mc:AlternateContent xmlns:mc="http://schemas.openxmlformats.org/markup-compatibility/2006">
-    <mc:Choice xmlns:p14="http://schemas.microsoft.com/office/powerpoint/2010/main" Requires="p14">
+  <mc:AlternateContent xmlns:mc="http://schemas.openxmlformats.org/markup-compatibility/2006" xmlns:p14="http://schemas.microsoft.com/office/powerpoint/2010/main">
+    <mc:Choice Requires="p14">
       <p:transition spd="med" p14:dur="700">
         <p:fade/>
       </p:transition>
     </mc:Choice>
-    <mc:Fallback>
+    <mc:Fallback xmlns="">
       <p:transition spd="med">
         <p:fade/>
       </p:transition>
